--- a/src/ppt9_ar.pptx
+++ b/src/ppt9_ar.pptx
@@ -118,7 +118,7 @@
   </p:defaultTextStyle>
   <p:extLst>
     <p:ext uri="{EFAFB233-063F-42B5-8137-9DF3F51BA10A}">
-      <p15:sldGuideLst xmlns:p15="http://schemas.microsoft.com/office/powerpoint/2012/main" xmlns="">
+      <p15:sldGuideLst xmlns="" xmlns:p15="http://schemas.microsoft.com/office/powerpoint/2012/main">
         <p15:guide id="1" orient="horz" pos="2160">
           <p15:clr>
             <a:srgbClr val="A4A3A4"/>
@@ -218,7 +218,7 @@
             <a:fld id="{288C3450-B1F7-4D70-BBD4-DE10EE2FA08A}" type="datetimeFigureOut">
               <a:rPr lang="he-IL" smtClean="0"/>
               <a:pPr/>
-              <a:t>י"ח/אדר/תשע"ח</a:t>
+              <a:t>כ"ג/אייר/תשע"ח</a:t>
             </a:fld>
             <a:endParaRPr lang="he-IL"/>
           </a:p>
@@ -1657,7 +1657,7 @@
             <a:fld id="{48A87A34-81AB-432B-8DAE-1953F412C126}" type="datetimeFigureOut">
               <a:rPr lang="en-US" smtClean="0"/>
               <a:pPr/>
-              <a:t>3/5/2018</a:t>
+              <a:t>5/8/2018</a:t>
             </a:fld>
             <a:endParaRPr lang="en-US" dirty="0"/>
           </a:p>
@@ -1709,7 +1709,7 @@
     </p:spTree>
     <p:extLst>
       <p:ext uri="{BB962C8B-B14F-4D97-AF65-F5344CB8AC3E}">
-        <p14:creationId xmlns:p14="http://schemas.microsoft.com/office/powerpoint/2010/main" xmlns="" val="2379700270"/>
+        <p14:creationId xmlns="" xmlns:p14="http://schemas.microsoft.com/office/powerpoint/2010/main" val="2379700270"/>
       </p:ext>
     </p:extLst>
   </p:cSld>
@@ -1910,7 +1910,7 @@
             <a:fld id="{48A87A34-81AB-432B-8DAE-1953F412C126}" type="datetimeFigureOut">
               <a:rPr lang="en-US" smtClean="0"/>
               <a:pPr/>
-              <a:t>3/5/2018</a:t>
+              <a:t>5/8/2018</a:t>
             </a:fld>
             <a:endParaRPr lang="en-US" dirty="0"/>
           </a:p>
@@ -1962,7 +1962,7 @@
     </p:spTree>
     <p:extLst>
       <p:ext uri="{BB962C8B-B14F-4D97-AF65-F5344CB8AC3E}">
-        <p14:creationId xmlns:p14="http://schemas.microsoft.com/office/powerpoint/2010/main" xmlns="" val="1804991245"/>
+        <p14:creationId xmlns="" xmlns:p14="http://schemas.microsoft.com/office/powerpoint/2010/main" val="1804991245"/>
       </p:ext>
     </p:extLst>
   </p:cSld>
@@ -2226,7 +2226,7 @@
             <a:fld id="{48A87A34-81AB-432B-8DAE-1953F412C126}" type="datetimeFigureOut">
               <a:rPr lang="en-US" smtClean="0"/>
               <a:pPr/>
-              <a:t>3/5/2018</a:t>
+              <a:t>5/8/2018</a:t>
             </a:fld>
             <a:endParaRPr lang="en-US" dirty="0"/>
           </a:p>
@@ -2368,7 +2368,7 @@
     </p:spTree>
     <p:extLst>
       <p:ext uri="{BB962C8B-B14F-4D97-AF65-F5344CB8AC3E}">
-        <p14:creationId xmlns:p14="http://schemas.microsoft.com/office/powerpoint/2010/main" xmlns="" val="1473712570"/>
+        <p14:creationId xmlns="" xmlns:p14="http://schemas.microsoft.com/office/powerpoint/2010/main" val="1473712570"/>
       </p:ext>
     </p:extLst>
   </p:cSld>
@@ -2569,7 +2569,7 @@
             <a:fld id="{48A87A34-81AB-432B-8DAE-1953F412C126}" type="datetimeFigureOut">
               <a:rPr lang="en-US" smtClean="0"/>
               <a:pPr/>
-              <a:t>3/5/2018</a:t>
+              <a:t>5/8/2018</a:t>
             </a:fld>
             <a:endParaRPr lang="en-US" dirty="0"/>
           </a:p>
@@ -2621,7 +2621,7 @@
     </p:spTree>
     <p:extLst>
       <p:ext uri="{BB962C8B-B14F-4D97-AF65-F5344CB8AC3E}">
-        <p14:creationId xmlns:p14="http://schemas.microsoft.com/office/powerpoint/2010/main" xmlns="" val="2530574234"/>
+        <p14:creationId xmlns="" xmlns:p14="http://schemas.microsoft.com/office/powerpoint/2010/main" val="2530574234"/>
       </p:ext>
     </p:extLst>
   </p:cSld>
@@ -2885,7 +2885,7 @@
             <a:fld id="{48A87A34-81AB-432B-8DAE-1953F412C126}" type="datetimeFigureOut">
               <a:rPr lang="en-US" smtClean="0"/>
               <a:pPr/>
-              <a:t>3/5/2018</a:t>
+              <a:t>5/8/2018</a:t>
             </a:fld>
             <a:endParaRPr lang="en-US" dirty="0"/>
           </a:p>
@@ -3019,7 +3019,7 @@
     </p:spTree>
     <p:extLst>
       <p:ext uri="{BB962C8B-B14F-4D97-AF65-F5344CB8AC3E}">
-        <p14:creationId xmlns:p14="http://schemas.microsoft.com/office/powerpoint/2010/main" xmlns="" val="1004790222"/>
+        <p14:creationId xmlns="" xmlns:p14="http://schemas.microsoft.com/office/powerpoint/2010/main" val="1004790222"/>
       </p:ext>
     </p:extLst>
   </p:cSld>
@@ -3280,7 +3280,7 @@
             <a:fld id="{48A87A34-81AB-432B-8DAE-1953F412C126}" type="datetimeFigureOut">
               <a:rPr lang="en-US" smtClean="0"/>
               <a:pPr/>
-              <a:t>3/5/2018</a:t>
+              <a:t>5/8/2018</a:t>
             </a:fld>
             <a:endParaRPr lang="en-US" dirty="0"/>
           </a:p>
@@ -3332,7 +3332,7 @@
     </p:spTree>
     <p:extLst>
       <p:ext uri="{BB962C8B-B14F-4D97-AF65-F5344CB8AC3E}">
-        <p14:creationId xmlns:p14="http://schemas.microsoft.com/office/powerpoint/2010/main" xmlns="" val="3328784466"/>
+        <p14:creationId xmlns="" xmlns:p14="http://schemas.microsoft.com/office/powerpoint/2010/main" val="3328784466"/>
       </p:ext>
     </p:extLst>
   </p:cSld>
@@ -3452,7 +3452,7 @@
             <a:fld id="{48A87A34-81AB-432B-8DAE-1953F412C126}" type="datetimeFigureOut">
               <a:rPr lang="en-US" smtClean="0"/>
               <a:pPr/>
-              <a:t>3/5/2018</a:t>
+              <a:t>5/8/2018</a:t>
             </a:fld>
             <a:endParaRPr lang="en-US" dirty="0"/>
           </a:p>
@@ -3504,7 +3504,7 @@
     </p:spTree>
     <p:extLst>
       <p:ext uri="{BB962C8B-B14F-4D97-AF65-F5344CB8AC3E}">
-        <p14:creationId xmlns:p14="http://schemas.microsoft.com/office/powerpoint/2010/main" xmlns="" val="1447070425"/>
+        <p14:creationId xmlns="" xmlns:p14="http://schemas.microsoft.com/office/powerpoint/2010/main" val="1447070425"/>
       </p:ext>
     </p:extLst>
   </p:cSld>
@@ -3634,7 +3634,7 @@
             <a:fld id="{48A87A34-81AB-432B-8DAE-1953F412C126}" type="datetimeFigureOut">
               <a:rPr lang="en-US" smtClean="0"/>
               <a:pPr/>
-              <a:t>3/5/2018</a:t>
+              <a:t>5/8/2018</a:t>
             </a:fld>
             <a:endParaRPr lang="en-US" dirty="0"/>
           </a:p>
@@ -3686,7 +3686,7 @@
     </p:spTree>
     <p:extLst>
       <p:ext uri="{BB962C8B-B14F-4D97-AF65-F5344CB8AC3E}">
-        <p14:creationId xmlns:p14="http://schemas.microsoft.com/office/powerpoint/2010/main" xmlns="" val="3648480235"/>
+        <p14:creationId xmlns="" xmlns:p14="http://schemas.microsoft.com/office/powerpoint/2010/main" val="3648480235"/>
       </p:ext>
     </p:extLst>
   </p:cSld>
@@ -3812,7 +3812,7 @@
             <a:fld id="{48A87A34-81AB-432B-8DAE-1953F412C126}" type="datetimeFigureOut">
               <a:rPr lang="en-US" smtClean="0"/>
               <a:pPr/>
-              <a:t>3/5/2018</a:t>
+              <a:t>5/8/2018</a:t>
             </a:fld>
             <a:endParaRPr lang="en-US" dirty="0"/>
           </a:p>
@@ -3864,7 +3864,7 @@
     </p:spTree>
     <p:extLst>
       <p:ext uri="{BB962C8B-B14F-4D97-AF65-F5344CB8AC3E}">
-        <p14:creationId xmlns:p14="http://schemas.microsoft.com/office/powerpoint/2010/main" xmlns="" val="2649633687"/>
+        <p14:creationId xmlns="" xmlns:p14="http://schemas.microsoft.com/office/powerpoint/2010/main" val="2649633687"/>
       </p:ext>
     </p:extLst>
   </p:cSld>
@@ -4061,7 +4061,7 @@
             <a:fld id="{48A87A34-81AB-432B-8DAE-1953F412C126}" type="datetimeFigureOut">
               <a:rPr lang="en-US" smtClean="0"/>
               <a:pPr/>
-              <a:t>3/5/2018</a:t>
+              <a:t>5/8/2018</a:t>
             </a:fld>
             <a:endParaRPr lang="en-US" dirty="0"/>
           </a:p>
@@ -4113,7 +4113,7 @@
     </p:spTree>
     <p:extLst>
       <p:ext uri="{BB962C8B-B14F-4D97-AF65-F5344CB8AC3E}">
-        <p14:creationId xmlns:p14="http://schemas.microsoft.com/office/powerpoint/2010/main" xmlns="" val="572893903"/>
+        <p14:creationId xmlns="" xmlns:p14="http://schemas.microsoft.com/office/powerpoint/2010/main" val="572893903"/>
       </p:ext>
     </p:extLst>
   </p:cSld>
@@ -4295,7 +4295,7 @@
             <a:fld id="{48A87A34-81AB-432B-8DAE-1953F412C126}" type="datetimeFigureOut">
               <a:rPr lang="en-US" smtClean="0"/>
               <a:pPr/>
-              <a:t>3/5/2018</a:t>
+              <a:t>5/8/2018</a:t>
             </a:fld>
             <a:endParaRPr lang="en-US" dirty="0"/>
           </a:p>
@@ -4347,7 +4347,7 @@
     </p:spTree>
     <p:extLst>
       <p:ext uri="{BB962C8B-B14F-4D97-AF65-F5344CB8AC3E}">
-        <p14:creationId xmlns:p14="http://schemas.microsoft.com/office/powerpoint/2010/main" xmlns="" val="3918475607"/>
+        <p14:creationId xmlns="" xmlns:p14="http://schemas.microsoft.com/office/powerpoint/2010/main" val="3918475607"/>
       </p:ext>
     </p:extLst>
   </p:cSld>
@@ -4671,7 +4671,7 @@
             <a:fld id="{48A87A34-81AB-432B-8DAE-1953F412C126}" type="datetimeFigureOut">
               <a:rPr lang="en-US" smtClean="0"/>
               <a:pPr/>
-              <a:t>3/5/2018</a:t>
+              <a:t>5/8/2018</a:t>
             </a:fld>
             <a:endParaRPr lang="en-US" dirty="0"/>
           </a:p>
@@ -4723,7 +4723,7 @@
     </p:spTree>
     <p:extLst>
       <p:ext uri="{BB962C8B-B14F-4D97-AF65-F5344CB8AC3E}">
-        <p14:creationId xmlns:p14="http://schemas.microsoft.com/office/powerpoint/2010/main" xmlns="" val="70569158"/>
+        <p14:creationId xmlns="" xmlns:p14="http://schemas.microsoft.com/office/powerpoint/2010/main" val="70569158"/>
       </p:ext>
     </p:extLst>
   </p:cSld>
@@ -4796,7 +4796,7 @@
             <a:fld id="{48A87A34-81AB-432B-8DAE-1953F412C126}" type="datetimeFigureOut">
               <a:rPr lang="en-US" smtClean="0"/>
               <a:pPr/>
-              <a:t>3/5/2018</a:t>
+              <a:t>5/8/2018</a:t>
             </a:fld>
             <a:endParaRPr lang="en-US" dirty="0"/>
           </a:p>
@@ -4848,7 +4848,7 @@
     </p:spTree>
     <p:extLst>
       <p:ext uri="{BB962C8B-B14F-4D97-AF65-F5344CB8AC3E}">
-        <p14:creationId xmlns:p14="http://schemas.microsoft.com/office/powerpoint/2010/main" xmlns="" val="3956773614"/>
+        <p14:creationId xmlns="" xmlns:p14="http://schemas.microsoft.com/office/powerpoint/2010/main" val="3956773614"/>
       </p:ext>
     </p:extLst>
   </p:cSld>
@@ -4893,7 +4893,7 @@
             <a:fld id="{48A87A34-81AB-432B-8DAE-1953F412C126}" type="datetimeFigureOut">
               <a:rPr lang="en-US" smtClean="0"/>
               <a:pPr/>
-              <a:t>3/5/2018</a:t>
+              <a:t>5/8/2018</a:t>
             </a:fld>
             <a:endParaRPr lang="en-US" dirty="0"/>
           </a:p>
@@ -4945,7 +4945,7 @@
     </p:spTree>
     <p:extLst>
       <p:ext uri="{BB962C8B-B14F-4D97-AF65-F5344CB8AC3E}">
-        <p14:creationId xmlns:p14="http://schemas.microsoft.com/office/powerpoint/2010/main" xmlns="" val="843387325"/>
+        <p14:creationId xmlns="" xmlns:p14="http://schemas.microsoft.com/office/powerpoint/2010/main" val="843387325"/>
       </p:ext>
     </p:extLst>
   </p:cSld>
@@ -5150,7 +5150,7 @@
             <a:fld id="{48A87A34-81AB-432B-8DAE-1953F412C126}" type="datetimeFigureOut">
               <a:rPr lang="en-US" smtClean="0"/>
               <a:pPr/>
-              <a:t>3/5/2018</a:t>
+              <a:t>5/8/2018</a:t>
             </a:fld>
             <a:endParaRPr lang="en-US" dirty="0"/>
           </a:p>
@@ -5202,7 +5202,7 @@
     </p:spTree>
     <p:extLst>
       <p:ext uri="{BB962C8B-B14F-4D97-AF65-F5344CB8AC3E}">
-        <p14:creationId xmlns:p14="http://schemas.microsoft.com/office/powerpoint/2010/main" xmlns="" val="614752468"/>
+        <p14:creationId xmlns="" xmlns:p14="http://schemas.microsoft.com/office/powerpoint/2010/main" val="614752468"/>
       </p:ext>
     </p:extLst>
   </p:cSld>
@@ -5415,7 +5415,7 @@
             <a:fld id="{48A87A34-81AB-432B-8DAE-1953F412C126}" type="datetimeFigureOut">
               <a:rPr lang="en-US" smtClean="0"/>
               <a:pPr/>
-              <a:t>3/5/2018</a:t>
+              <a:t>5/8/2018</a:t>
             </a:fld>
             <a:endParaRPr lang="en-US" dirty="0"/>
           </a:p>
@@ -5467,7 +5467,7 @@
     </p:spTree>
     <p:extLst>
       <p:ext uri="{BB962C8B-B14F-4D97-AF65-F5344CB8AC3E}">
-        <p14:creationId xmlns:p14="http://schemas.microsoft.com/office/powerpoint/2010/main" xmlns="" val="2525773852"/>
+        <p14:creationId xmlns="" xmlns:p14="http://schemas.microsoft.com/office/powerpoint/2010/main" val="2525773852"/>
       </p:ext>
     </p:extLst>
   </p:cSld>
@@ -6160,7 +6160,7 @@
             <a:fld id="{48A87A34-81AB-432B-8DAE-1953F412C126}" type="datetimeFigureOut">
               <a:rPr lang="en-US" smtClean="0"/>
               <a:pPr/>
-              <a:t>3/5/2018</a:t>
+              <a:t>5/8/2018</a:t>
             </a:fld>
             <a:endParaRPr lang="en-US" dirty="0"/>
           </a:p>
@@ -6246,7 +6246,7 @@
     </p:spTree>
     <p:extLst>
       <p:ext uri="{BB962C8B-B14F-4D97-AF65-F5344CB8AC3E}">
-        <p14:creationId xmlns:p14="http://schemas.microsoft.com/office/powerpoint/2010/main" xmlns="" val="2849168193"/>
+        <p14:creationId xmlns="" xmlns:p14="http://schemas.microsoft.com/office/powerpoint/2010/main" val="2849168193"/>
       </p:ext>
     </p:extLst>
   </p:cSld>
@@ -6737,7 +6737,7 @@
     </p:spTree>
     <p:extLst>
       <p:ext uri="{BB962C8B-B14F-4D97-AF65-F5344CB8AC3E}">
-        <p14:creationId xmlns:p14="http://schemas.microsoft.com/office/powerpoint/2010/main" xmlns="" val="1597654807"/>
+        <p14:creationId xmlns="" xmlns:p14="http://schemas.microsoft.com/office/powerpoint/2010/main" val="1597654807"/>
       </p:ext>
     </p:extLst>
   </p:cSld>
@@ -6936,7 +6936,7 @@
     </p:spTree>
     <p:extLst>
       <p:ext uri="{BB962C8B-B14F-4D97-AF65-F5344CB8AC3E}">
-        <p14:creationId xmlns:p14="http://schemas.microsoft.com/office/powerpoint/2010/main" xmlns="" val="2825342624"/>
+        <p14:creationId xmlns="" xmlns:p14="http://schemas.microsoft.com/office/powerpoint/2010/main" val="2825342624"/>
       </p:ext>
     </p:extLst>
   </p:cSld>
@@ -7173,7 +7173,7 @@
     </p:spTree>
     <p:extLst>
       <p:ext uri="{BB962C8B-B14F-4D97-AF65-F5344CB8AC3E}">
-        <p14:creationId xmlns:p14="http://schemas.microsoft.com/office/powerpoint/2010/main" xmlns="" val="2508929371"/>
+        <p14:creationId xmlns="" xmlns:p14="http://schemas.microsoft.com/office/powerpoint/2010/main" val="2508929371"/>
       </p:ext>
     </p:extLst>
   </p:cSld>
@@ -7348,7 +7348,7 @@
     </p:spTree>
     <p:extLst>
       <p:ext uri="{BB962C8B-B14F-4D97-AF65-F5344CB8AC3E}">
-        <p14:creationId xmlns:p14="http://schemas.microsoft.com/office/powerpoint/2010/main" xmlns="" val="2508929371"/>
+        <p14:creationId xmlns="" xmlns:p14="http://schemas.microsoft.com/office/powerpoint/2010/main" val="2508929371"/>
       </p:ext>
     </p:extLst>
   </p:cSld>
@@ -7813,7 +7813,7 @@
           <a:blip r:embed="rId3">
             <a:extLst>
               <a:ext uri="{28A0092B-C50C-407E-A947-70E740481C1C}">
-                <a14:useLocalDpi xmlns:a14="http://schemas.microsoft.com/office/drawing/2010/main" xmlns="" val="0"/>
+                <a14:useLocalDpi xmlns="" xmlns:a14="http://schemas.microsoft.com/office/drawing/2010/main" val="0"/>
               </a:ext>
             </a:extLst>
           </a:blip>
@@ -8086,7 +8086,7 @@
           <a:blip r:embed="rId3">
             <a:extLst>
               <a:ext uri="{28A0092B-C50C-407E-A947-70E740481C1C}">
-                <a14:useLocalDpi xmlns:a14="http://schemas.microsoft.com/office/drawing/2010/main" xmlns="" val="0"/>
+                <a14:useLocalDpi xmlns="" xmlns:a14="http://schemas.microsoft.com/office/drawing/2010/main" val="0"/>
               </a:ext>
             </a:extLst>
           </a:blip>
@@ -8116,7 +8116,7 @@
           <a:blip r:embed="rId4">
             <a:extLst>
               <a:ext uri="{28A0092B-C50C-407E-A947-70E740481C1C}">
-                <a14:useLocalDpi xmlns:a14="http://schemas.microsoft.com/office/drawing/2010/main" xmlns="" val="0"/>
+                <a14:useLocalDpi xmlns="" xmlns:a14="http://schemas.microsoft.com/office/drawing/2010/main" val="0"/>
               </a:ext>
             </a:extLst>
           </a:blip>
@@ -8483,7 +8483,7 @@
     </p:spTree>
     <p:extLst>
       <p:ext uri="{BB962C8B-B14F-4D97-AF65-F5344CB8AC3E}">
-        <p14:creationId xmlns:p14="http://schemas.microsoft.com/office/powerpoint/2010/main" xmlns="" val="1550603253"/>
+        <p14:creationId xmlns="" xmlns:p14="http://schemas.microsoft.com/office/powerpoint/2010/main" val="1550603253"/>
       </p:ext>
     </p:extLst>
   </p:cSld>
@@ -8657,7 +8657,21 @@
                 <a:latin typeface="Ara Hamah Alislam" panose="00000500000000000000" pitchFamily="2" charset="-78"/>
                 <a:cs typeface="Ara Hamah Alislam" panose="00000500000000000000" pitchFamily="2" charset="-78"/>
               </a:rPr>
-              <a:t>ما الفرق بين أمر "اعزف نغمة" وأمر "اعزف نغمة حتى انتهائها" ؟</a:t>
+              <a:t>ما الفرق بين أمر "اعزف نغمة" وأمر "اعزف نغمة حتى انتهائها" </a:t>
+            </a:r>
+            <a:r>
+              <a:rPr lang="ar-EG" sz="3400" dirty="0" smtClean="0">
+                <a:latin typeface="Ara Hamah Alislam" panose="00000500000000000000" pitchFamily="2" charset="-78"/>
+                <a:cs typeface="Ara Hamah Alislam" panose="00000500000000000000" pitchFamily="2" charset="-78"/>
+              </a:rPr>
+              <a:t>؟</a:t>
+            </a:r>
+            <a:r>
+              <a:rPr lang="he-IL" sz="3400" smtClean="0">
+                <a:latin typeface="Ara Hamah Alislam" panose="00000500000000000000" pitchFamily="2" charset="-78"/>
+                <a:cs typeface="Ara Hamah Alislam" panose="00000500000000000000" pitchFamily="2" charset="-78"/>
+              </a:rPr>
+              <a:t> </a:t>
             </a:r>
             <a:endParaRPr lang="he-IL" sz="3200" dirty="0" smtClean="0">
               <a:latin typeface="Ara Hamah Alislam" panose="00000500000000000000" pitchFamily="2" charset="-78"/>
@@ -8864,7 +8878,7 @@
           <a:blip r:embed="rId4">
             <a:extLst>
               <a:ext uri="{28A0092B-C50C-407E-A947-70E740481C1C}">
-                <a14:useLocalDpi xmlns:a14="http://schemas.microsoft.com/office/drawing/2010/main" xmlns="" val="0"/>
+                <a14:useLocalDpi xmlns="" xmlns:a14="http://schemas.microsoft.com/office/drawing/2010/main" val="0"/>
               </a:ext>
             </a:extLst>
           </a:blip>
@@ -9148,7 +9162,7 @@
   <a:extraClrSchemeLst/>
   <a:extLst>
     <a:ext uri="{05A4C25C-085E-4340-85A3-A5531E510DB2}">
-      <thm15:themeFamily xmlns:thm15="http://schemas.microsoft.com/office/thememl/2012/main" xmlns="" name="Facet" id="{C0C680CD-088A-49FC-A102-D699147F32B2}" vid="{CFBC31BA-B70F-4F30-BCAA-4F3011E16C4D}"/>
+      <thm15:themeFamily xmlns="" xmlns:thm15="http://schemas.microsoft.com/office/thememl/2012/main" name="Facet" id="{C0C680CD-088A-49FC-A102-D699147F32B2}" vid="{CFBC31BA-B70F-4F30-BCAA-4F3011E16C4D}"/>
     </a:ext>
   </a:extLst>
 </a:theme>
